--- a/Lec7/Lec7.pptx
+++ b/Lec7/Lec7.pptx
@@ -240,7 +240,7 @@
           <a:p>
             <a:fld id="{36B64484-7F23-844A-BCEB-06DFAD827E32}" type="datetimeFigureOut">
               <a:rPr lang="en-US" smtClean="0"/>
-              <a:t>1/31/22</a:t>
+              <a:t>2/1/22</a:t>
             </a:fld>
             <a:endParaRPr lang="en-US"/>
           </a:p>
@@ -417,7 +417,7 @@
           <a:p>
             <a:fld id="{4EBE11B0-21E1-9842-BB37-72784894B0AB}" type="datetimeFigureOut">
               <a:rPr lang="en-US" smtClean="0"/>
-              <a:t>1/31/22</a:t>
+              <a:t>2/1/22</a:t>
             </a:fld>
             <a:endParaRPr lang="en-US"/>
           </a:p>
@@ -3405,7 +3405,7 @@
     <p:sldLayoutId id="2147483659" r:id="rId11"/>
     <p:sldLayoutId id="2147483660" r:id="rId12"/>
   </p:sldLayoutIdLst>
-  <p:hf sldNum="0" hdr="0" ftr="0" dt="0"/>
+  <p:hf hdr="0" ftr="0" dt="0"/>
   <p:txStyles>
     <p:titleStyle>
       <a:lvl1pPr algn="l" defTabSz="914400" rtl="0" eaLnBrk="1" latinLnBrk="0" hangingPunct="1">
@@ -3818,7 +3818,7 @@
           </a:ln>
           <a:extLst>
             <a:ext uri="{C572A759-6A51-4108-AA02-DFA0A04FC94B}">
-              <ma14:wrappingTextBoxFlag xmlns="" xmlns:ma14="http://schemas.microsoft.com/office/mac/drawingml/2011/main" val="1"/>
+              <ma14:wrappingTextBoxFlag xmlns:ma14="http://schemas.microsoft.com/office/mac/drawingml/2011/main" xmlns="" val="1"/>
             </a:ext>
           </a:extLst>
         </p:spPr>
@@ -4107,6 +4107,35 @@
           </a:p>
         </p:txBody>
       </p:sp>
+      <p:sp>
+        <p:nvSpPr>
+          <p:cNvPr id="4" name="Slide Number Placeholder 3">
+            <a:extLst>
+              <a:ext uri="{FF2B5EF4-FFF2-40B4-BE49-F238E27FC236}">
+                <a16:creationId xmlns:a16="http://schemas.microsoft.com/office/drawing/2014/main" id="{E9C8725F-56C6-A143-B271-76548EF9D9F0}"/>
+              </a:ext>
+            </a:extLst>
+          </p:cNvPr>
+          <p:cNvSpPr>
+            <a:spLocks noGrp="1"/>
+          </p:cNvSpPr>
+          <p:nvPr>
+            <p:ph type="sldNum" sz="quarter" idx="12"/>
+          </p:nvPr>
+        </p:nvSpPr>
+        <p:spPr/>
+        <p:txBody>
+          <a:bodyPr/>
+          <a:lstStyle/>
+          <a:p>
+            <a:fld id="{79825567-3CEF-414F-9B7D-82942F152A58}" type="slidenum">
+              <a:rPr lang="en-US" smtClean="0"/>
+              <a:t>10</a:t>
+            </a:fld>
+            <a:endParaRPr lang="en-US" dirty="0"/>
+          </a:p>
+        </p:txBody>
+      </p:sp>
     </p:spTree>
     <p:extLst>
       <p:ext uri="{BB962C8B-B14F-4D97-AF65-F5344CB8AC3E}">
@@ -4301,6 +4330,35 @@
           </a:p>
         </p:txBody>
       </p:sp>
+      <p:sp>
+        <p:nvSpPr>
+          <p:cNvPr id="4" name="Slide Number Placeholder 3">
+            <a:extLst>
+              <a:ext uri="{FF2B5EF4-FFF2-40B4-BE49-F238E27FC236}">
+                <a16:creationId xmlns:a16="http://schemas.microsoft.com/office/drawing/2014/main" id="{B1DB6570-9327-9242-9EC2-5A1E299DD72A}"/>
+              </a:ext>
+            </a:extLst>
+          </p:cNvPr>
+          <p:cNvSpPr>
+            <a:spLocks noGrp="1"/>
+          </p:cNvSpPr>
+          <p:nvPr>
+            <p:ph type="sldNum" sz="quarter" idx="12"/>
+          </p:nvPr>
+        </p:nvSpPr>
+        <p:spPr/>
+        <p:txBody>
+          <a:bodyPr/>
+          <a:lstStyle/>
+          <a:p>
+            <a:fld id="{79825567-3CEF-414F-9B7D-82942F152A58}" type="slidenum">
+              <a:rPr lang="en-US" smtClean="0"/>
+              <a:t>11</a:t>
+            </a:fld>
+            <a:endParaRPr lang="en-US" dirty="0"/>
+          </a:p>
+        </p:txBody>
+      </p:sp>
     </p:spTree>
     <p:extLst>
       <p:ext uri="{BB962C8B-B14F-4D97-AF65-F5344CB8AC3E}">
@@ -4453,6 +4511,35 @@
           </a:p>
         </p:txBody>
       </p:sp>
+      <p:sp>
+        <p:nvSpPr>
+          <p:cNvPr id="4" name="Slide Number Placeholder 3">
+            <a:extLst>
+              <a:ext uri="{FF2B5EF4-FFF2-40B4-BE49-F238E27FC236}">
+                <a16:creationId xmlns:a16="http://schemas.microsoft.com/office/drawing/2014/main" id="{0EA7ED84-DCFD-6044-9E59-FD7D98C51049}"/>
+              </a:ext>
+            </a:extLst>
+          </p:cNvPr>
+          <p:cNvSpPr>
+            <a:spLocks noGrp="1"/>
+          </p:cNvSpPr>
+          <p:nvPr>
+            <p:ph type="sldNum" sz="quarter" idx="12"/>
+          </p:nvPr>
+        </p:nvSpPr>
+        <p:spPr/>
+        <p:txBody>
+          <a:bodyPr/>
+          <a:lstStyle/>
+          <a:p>
+            <a:fld id="{79825567-3CEF-414F-9B7D-82942F152A58}" type="slidenum">
+              <a:rPr lang="en-US" smtClean="0"/>
+              <a:t>12</a:t>
+            </a:fld>
+            <a:endParaRPr lang="en-US" dirty="0"/>
+          </a:p>
+        </p:txBody>
+      </p:sp>
     </p:spTree>
     <p:extLst>
       <p:ext uri="{BB962C8B-B14F-4D97-AF65-F5344CB8AC3E}">
@@ -4668,6 +4755,35 @@
           </a:p>
         </p:txBody>
       </p:sp>
+      <p:sp>
+        <p:nvSpPr>
+          <p:cNvPr id="4" name="Slide Number Placeholder 3">
+            <a:extLst>
+              <a:ext uri="{FF2B5EF4-FFF2-40B4-BE49-F238E27FC236}">
+                <a16:creationId xmlns:a16="http://schemas.microsoft.com/office/drawing/2014/main" id="{1222CDAE-04D3-6B44-A712-EA876B363024}"/>
+              </a:ext>
+            </a:extLst>
+          </p:cNvPr>
+          <p:cNvSpPr>
+            <a:spLocks noGrp="1"/>
+          </p:cNvSpPr>
+          <p:nvPr>
+            <p:ph type="sldNum" sz="quarter" idx="12"/>
+          </p:nvPr>
+        </p:nvSpPr>
+        <p:spPr/>
+        <p:txBody>
+          <a:bodyPr/>
+          <a:lstStyle/>
+          <a:p>
+            <a:fld id="{79825567-3CEF-414F-9B7D-82942F152A58}" type="slidenum">
+              <a:rPr lang="en-US" smtClean="0"/>
+              <a:t>13</a:t>
+            </a:fld>
+            <a:endParaRPr lang="en-US" dirty="0"/>
+          </a:p>
+        </p:txBody>
+      </p:sp>
     </p:spTree>
     <p:extLst>
       <p:ext uri="{BB962C8B-B14F-4D97-AF65-F5344CB8AC3E}">
@@ -4848,6 +4964,35 @@
           </a:p>
         </p:txBody>
       </p:sp>
+      <p:sp>
+        <p:nvSpPr>
+          <p:cNvPr id="4" name="Slide Number Placeholder 3">
+            <a:extLst>
+              <a:ext uri="{FF2B5EF4-FFF2-40B4-BE49-F238E27FC236}">
+                <a16:creationId xmlns:a16="http://schemas.microsoft.com/office/drawing/2014/main" id="{D82C0AB2-3BB2-7A4E-8754-D3EA54EE6DC3}"/>
+              </a:ext>
+            </a:extLst>
+          </p:cNvPr>
+          <p:cNvSpPr>
+            <a:spLocks noGrp="1"/>
+          </p:cNvSpPr>
+          <p:nvPr>
+            <p:ph type="sldNum" sz="quarter" idx="12"/>
+          </p:nvPr>
+        </p:nvSpPr>
+        <p:spPr/>
+        <p:txBody>
+          <a:bodyPr/>
+          <a:lstStyle/>
+          <a:p>
+            <a:fld id="{79825567-3CEF-414F-9B7D-82942F152A58}" type="slidenum">
+              <a:rPr lang="en-US" smtClean="0"/>
+              <a:t>14</a:t>
+            </a:fld>
+            <a:endParaRPr lang="en-US" dirty="0"/>
+          </a:p>
+        </p:txBody>
+      </p:sp>
     </p:spTree>
     <p:extLst>
       <p:ext uri="{BB962C8B-B14F-4D97-AF65-F5344CB8AC3E}">
@@ -4970,6 +5115,35 @@
           </a:p>
         </p:txBody>
       </p:sp>
+      <p:sp>
+        <p:nvSpPr>
+          <p:cNvPr id="4" name="Slide Number Placeholder 3">
+            <a:extLst>
+              <a:ext uri="{FF2B5EF4-FFF2-40B4-BE49-F238E27FC236}">
+                <a16:creationId xmlns:a16="http://schemas.microsoft.com/office/drawing/2014/main" id="{4F4030FA-05D8-E24F-AB02-7DE04E0ED449}"/>
+              </a:ext>
+            </a:extLst>
+          </p:cNvPr>
+          <p:cNvSpPr>
+            <a:spLocks noGrp="1"/>
+          </p:cNvSpPr>
+          <p:nvPr>
+            <p:ph type="sldNum" sz="quarter" idx="12"/>
+          </p:nvPr>
+        </p:nvSpPr>
+        <p:spPr/>
+        <p:txBody>
+          <a:bodyPr/>
+          <a:lstStyle/>
+          <a:p>
+            <a:fld id="{79825567-3CEF-414F-9B7D-82942F152A58}" type="slidenum">
+              <a:rPr lang="en-US" smtClean="0"/>
+              <a:t>15</a:t>
+            </a:fld>
+            <a:endParaRPr lang="en-US" dirty="0"/>
+          </a:p>
+        </p:txBody>
+      </p:sp>
     </p:spTree>
     <p:extLst>
       <p:ext uri="{BB962C8B-B14F-4D97-AF65-F5344CB8AC3E}">
@@ -5126,6 +5300,35 @@
           </a:p>
         </p:txBody>
       </p:sp>
+      <p:sp>
+        <p:nvSpPr>
+          <p:cNvPr id="4" name="Slide Number Placeholder 3">
+            <a:extLst>
+              <a:ext uri="{FF2B5EF4-FFF2-40B4-BE49-F238E27FC236}">
+                <a16:creationId xmlns:a16="http://schemas.microsoft.com/office/drawing/2014/main" id="{2448BD11-6CFB-9B4E-9BFD-65BE51A85994}"/>
+              </a:ext>
+            </a:extLst>
+          </p:cNvPr>
+          <p:cNvSpPr>
+            <a:spLocks noGrp="1"/>
+          </p:cNvSpPr>
+          <p:nvPr>
+            <p:ph type="sldNum" sz="quarter" idx="12"/>
+          </p:nvPr>
+        </p:nvSpPr>
+        <p:spPr/>
+        <p:txBody>
+          <a:bodyPr/>
+          <a:lstStyle/>
+          <a:p>
+            <a:fld id="{79825567-3CEF-414F-9B7D-82942F152A58}" type="slidenum">
+              <a:rPr lang="en-US" smtClean="0"/>
+              <a:t>16</a:t>
+            </a:fld>
+            <a:endParaRPr lang="en-US" dirty="0"/>
+          </a:p>
+        </p:txBody>
+      </p:sp>
     </p:spTree>
     <p:extLst>
       <p:ext uri="{BB962C8B-B14F-4D97-AF65-F5344CB8AC3E}">
@@ -5284,6 +5487,35 @@
           </a:p>
         </p:txBody>
       </p:sp>
+      <p:sp>
+        <p:nvSpPr>
+          <p:cNvPr id="4" name="Slide Number Placeholder 3">
+            <a:extLst>
+              <a:ext uri="{FF2B5EF4-FFF2-40B4-BE49-F238E27FC236}">
+                <a16:creationId xmlns:a16="http://schemas.microsoft.com/office/drawing/2014/main" id="{F16B66C3-0CCB-6543-B788-8D8C64DAFEFE}"/>
+              </a:ext>
+            </a:extLst>
+          </p:cNvPr>
+          <p:cNvSpPr>
+            <a:spLocks noGrp="1"/>
+          </p:cNvSpPr>
+          <p:nvPr>
+            <p:ph type="sldNum" sz="quarter" idx="12"/>
+          </p:nvPr>
+        </p:nvSpPr>
+        <p:spPr/>
+        <p:txBody>
+          <a:bodyPr/>
+          <a:lstStyle/>
+          <a:p>
+            <a:fld id="{79825567-3CEF-414F-9B7D-82942F152A58}" type="slidenum">
+              <a:rPr lang="en-US" smtClean="0"/>
+              <a:t>17</a:t>
+            </a:fld>
+            <a:endParaRPr lang="en-US" dirty="0"/>
+          </a:p>
+        </p:txBody>
+      </p:sp>
     </p:spTree>
     <p:extLst>
       <p:ext uri="{BB962C8B-B14F-4D97-AF65-F5344CB8AC3E}">
@@ -5374,6 +5606,35 @@
           </a:prstGeom>
         </p:spPr>
       </p:pic>
+      <p:sp>
+        <p:nvSpPr>
+          <p:cNvPr id="3" name="Slide Number Placeholder 2">
+            <a:extLst>
+              <a:ext uri="{FF2B5EF4-FFF2-40B4-BE49-F238E27FC236}">
+                <a16:creationId xmlns:a16="http://schemas.microsoft.com/office/drawing/2014/main" id="{6B2D845E-96F7-3442-88C9-B0A78D755F7F}"/>
+              </a:ext>
+            </a:extLst>
+          </p:cNvPr>
+          <p:cNvSpPr>
+            <a:spLocks noGrp="1"/>
+          </p:cNvSpPr>
+          <p:nvPr>
+            <p:ph type="sldNum" sz="quarter" idx="12"/>
+          </p:nvPr>
+        </p:nvSpPr>
+        <p:spPr/>
+        <p:txBody>
+          <a:bodyPr/>
+          <a:lstStyle/>
+          <a:p>
+            <a:fld id="{79825567-3CEF-414F-9B7D-82942F152A58}" type="slidenum">
+              <a:rPr lang="en-US" smtClean="0"/>
+              <a:t>18</a:t>
+            </a:fld>
+            <a:endParaRPr lang="en-US" dirty="0"/>
+          </a:p>
+        </p:txBody>
+      </p:sp>
     </p:spTree>
     <p:extLst>
       <p:ext uri="{BB962C8B-B14F-4D97-AF65-F5344CB8AC3E}">
@@ -5464,6 +5725,35 @@
           </a:prstGeom>
         </p:spPr>
       </p:pic>
+      <p:sp>
+        <p:nvSpPr>
+          <p:cNvPr id="3" name="Slide Number Placeholder 2">
+            <a:extLst>
+              <a:ext uri="{FF2B5EF4-FFF2-40B4-BE49-F238E27FC236}">
+                <a16:creationId xmlns:a16="http://schemas.microsoft.com/office/drawing/2014/main" id="{AE6DC062-B1BB-3544-897E-2C4B09515DF9}"/>
+              </a:ext>
+            </a:extLst>
+          </p:cNvPr>
+          <p:cNvSpPr>
+            <a:spLocks noGrp="1"/>
+          </p:cNvSpPr>
+          <p:nvPr>
+            <p:ph type="sldNum" sz="quarter" idx="12"/>
+          </p:nvPr>
+        </p:nvSpPr>
+        <p:spPr/>
+        <p:txBody>
+          <a:bodyPr/>
+          <a:lstStyle/>
+          <a:p>
+            <a:fld id="{79825567-3CEF-414F-9B7D-82942F152A58}" type="slidenum">
+              <a:rPr lang="en-US" smtClean="0"/>
+              <a:t>19</a:t>
+            </a:fld>
+            <a:endParaRPr lang="en-US" dirty="0"/>
+          </a:p>
+        </p:txBody>
+      </p:sp>
     </p:spTree>
     <p:extLst>
       <p:ext uri="{BB962C8B-B14F-4D97-AF65-F5344CB8AC3E}">
@@ -5568,6 +5858,35 @@
           </a:p>
         </p:txBody>
       </p:sp>
+      <p:sp>
+        <p:nvSpPr>
+          <p:cNvPr id="4" name="Slide Number Placeholder 3">
+            <a:extLst>
+              <a:ext uri="{FF2B5EF4-FFF2-40B4-BE49-F238E27FC236}">
+                <a16:creationId xmlns:a16="http://schemas.microsoft.com/office/drawing/2014/main" id="{28FCE84C-DF3B-E64B-A9AD-834651416724}"/>
+              </a:ext>
+            </a:extLst>
+          </p:cNvPr>
+          <p:cNvSpPr>
+            <a:spLocks noGrp="1"/>
+          </p:cNvSpPr>
+          <p:nvPr>
+            <p:ph type="sldNum" sz="quarter" idx="12"/>
+          </p:nvPr>
+        </p:nvSpPr>
+        <p:spPr/>
+        <p:txBody>
+          <a:bodyPr/>
+          <a:lstStyle/>
+          <a:p>
+            <a:fld id="{79825567-3CEF-414F-9B7D-82942F152A58}" type="slidenum">
+              <a:rPr lang="en-US" smtClean="0"/>
+              <a:t>2</a:t>
+            </a:fld>
+            <a:endParaRPr lang="en-US" dirty="0"/>
+          </a:p>
+        </p:txBody>
+      </p:sp>
     </p:spTree>
     <p:extLst>
       <p:ext uri="{BB962C8B-B14F-4D97-AF65-F5344CB8AC3E}">
@@ -5658,6 +5977,35 @@
           </a:prstGeom>
         </p:spPr>
       </p:pic>
+      <p:sp>
+        <p:nvSpPr>
+          <p:cNvPr id="3" name="Slide Number Placeholder 2">
+            <a:extLst>
+              <a:ext uri="{FF2B5EF4-FFF2-40B4-BE49-F238E27FC236}">
+                <a16:creationId xmlns:a16="http://schemas.microsoft.com/office/drawing/2014/main" id="{C0ADA377-9967-684A-8817-1229AFCA0FC8}"/>
+              </a:ext>
+            </a:extLst>
+          </p:cNvPr>
+          <p:cNvSpPr>
+            <a:spLocks noGrp="1"/>
+          </p:cNvSpPr>
+          <p:nvPr>
+            <p:ph type="sldNum" sz="quarter" idx="12"/>
+          </p:nvPr>
+        </p:nvSpPr>
+        <p:spPr/>
+        <p:txBody>
+          <a:bodyPr/>
+          <a:lstStyle/>
+          <a:p>
+            <a:fld id="{79825567-3CEF-414F-9B7D-82942F152A58}" type="slidenum">
+              <a:rPr lang="en-US" smtClean="0"/>
+              <a:t>20</a:t>
+            </a:fld>
+            <a:endParaRPr lang="en-US" dirty="0"/>
+          </a:p>
+        </p:txBody>
+      </p:sp>
     </p:spTree>
     <p:extLst>
       <p:ext uri="{BB962C8B-B14F-4D97-AF65-F5344CB8AC3E}">
@@ -5748,6 +6096,35 @@
           </a:prstGeom>
         </p:spPr>
       </p:pic>
+      <p:sp>
+        <p:nvSpPr>
+          <p:cNvPr id="3" name="Slide Number Placeholder 2">
+            <a:extLst>
+              <a:ext uri="{FF2B5EF4-FFF2-40B4-BE49-F238E27FC236}">
+                <a16:creationId xmlns:a16="http://schemas.microsoft.com/office/drawing/2014/main" id="{4EDFE365-08EB-F34F-B9D4-44188F8E4529}"/>
+              </a:ext>
+            </a:extLst>
+          </p:cNvPr>
+          <p:cNvSpPr>
+            <a:spLocks noGrp="1"/>
+          </p:cNvSpPr>
+          <p:nvPr>
+            <p:ph type="sldNum" sz="quarter" idx="12"/>
+          </p:nvPr>
+        </p:nvSpPr>
+        <p:spPr/>
+        <p:txBody>
+          <a:bodyPr/>
+          <a:lstStyle/>
+          <a:p>
+            <a:fld id="{79825567-3CEF-414F-9B7D-82942F152A58}" type="slidenum">
+              <a:rPr lang="en-US" smtClean="0"/>
+              <a:t>21</a:t>
+            </a:fld>
+            <a:endParaRPr lang="en-US" dirty="0"/>
+          </a:p>
+        </p:txBody>
+      </p:sp>
     </p:spTree>
     <p:extLst>
       <p:ext uri="{BB962C8B-B14F-4D97-AF65-F5344CB8AC3E}">
@@ -5993,6 +6370,35 @@
           </a:p>
         </p:txBody>
       </p:sp>
+      <p:sp>
+        <p:nvSpPr>
+          <p:cNvPr id="5" name="Slide Number Placeholder 4">
+            <a:extLst>
+              <a:ext uri="{FF2B5EF4-FFF2-40B4-BE49-F238E27FC236}">
+                <a16:creationId xmlns:a16="http://schemas.microsoft.com/office/drawing/2014/main" id="{AEAF39EF-373A-414F-8D6B-083ED23D4216}"/>
+              </a:ext>
+            </a:extLst>
+          </p:cNvPr>
+          <p:cNvSpPr>
+            <a:spLocks noGrp="1"/>
+          </p:cNvSpPr>
+          <p:nvPr>
+            <p:ph type="sldNum" sz="quarter" idx="12"/>
+          </p:nvPr>
+        </p:nvSpPr>
+        <p:spPr/>
+        <p:txBody>
+          <a:bodyPr/>
+          <a:lstStyle/>
+          <a:p>
+            <a:fld id="{79825567-3CEF-414F-9B7D-82942F152A58}" type="slidenum">
+              <a:rPr lang="en-US" smtClean="0"/>
+              <a:t>22</a:t>
+            </a:fld>
+            <a:endParaRPr lang="en-US" dirty="0"/>
+          </a:p>
+        </p:txBody>
+      </p:sp>
     </p:spTree>
     <p:extLst>
       <p:ext uri="{BB962C8B-B14F-4D97-AF65-F5344CB8AC3E}">
@@ -6085,6 +6491,35 @@
               <a:rPr lang="en-US" dirty="0"/>
               <a:t>I hacked distinguishing formulae in CEATL – let’s see how</a:t>
             </a:r>
+          </a:p>
+        </p:txBody>
+      </p:sp>
+      <p:sp>
+        <p:nvSpPr>
+          <p:cNvPr id="4" name="Slide Number Placeholder 3">
+            <a:extLst>
+              <a:ext uri="{FF2B5EF4-FFF2-40B4-BE49-F238E27FC236}">
+                <a16:creationId xmlns:a16="http://schemas.microsoft.com/office/drawing/2014/main" id="{DEC2B833-F12F-3645-AE01-07C04EC65B2E}"/>
+              </a:ext>
+            </a:extLst>
+          </p:cNvPr>
+          <p:cNvSpPr>
+            <a:spLocks noGrp="1"/>
+          </p:cNvSpPr>
+          <p:nvPr>
+            <p:ph type="sldNum" sz="quarter" idx="12"/>
+          </p:nvPr>
+        </p:nvSpPr>
+        <p:spPr/>
+        <p:txBody>
+          <a:bodyPr/>
+          <a:lstStyle/>
+          <a:p>
+            <a:fld id="{79825567-3CEF-414F-9B7D-82942F152A58}" type="slidenum">
+              <a:rPr lang="en-US" smtClean="0"/>
+              <a:t>23</a:t>
+            </a:fld>
+            <a:endParaRPr lang="en-US" dirty="0"/>
           </a:p>
         </p:txBody>
       </p:sp>
@@ -6308,6 +6743,35 @@
           </a:p>
         </p:txBody>
       </p:sp>
+      <p:sp>
+        <p:nvSpPr>
+          <p:cNvPr id="4" name="Slide Number Placeholder 3">
+            <a:extLst>
+              <a:ext uri="{FF2B5EF4-FFF2-40B4-BE49-F238E27FC236}">
+                <a16:creationId xmlns:a16="http://schemas.microsoft.com/office/drawing/2014/main" id="{BE5F8766-7D2C-C84A-850A-070027A1E34A}"/>
+              </a:ext>
+            </a:extLst>
+          </p:cNvPr>
+          <p:cNvSpPr>
+            <a:spLocks noGrp="1"/>
+          </p:cNvSpPr>
+          <p:nvPr>
+            <p:ph type="sldNum" sz="quarter" idx="12"/>
+          </p:nvPr>
+        </p:nvSpPr>
+        <p:spPr/>
+        <p:txBody>
+          <a:bodyPr/>
+          <a:lstStyle/>
+          <a:p>
+            <a:fld id="{79825567-3CEF-414F-9B7D-82942F152A58}" type="slidenum">
+              <a:rPr lang="en-US" smtClean="0"/>
+              <a:t>24</a:t>
+            </a:fld>
+            <a:endParaRPr lang="en-US" dirty="0"/>
+          </a:p>
+        </p:txBody>
+      </p:sp>
     </p:spTree>
     <p:extLst>
       <p:ext uri="{BB962C8B-B14F-4D97-AF65-F5344CB8AC3E}">
@@ -6460,6 +6924,35 @@
           </a:p>
         </p:txBody>
       </p:sp>
+      <p:sp>
+        <p:nvSpPr>
+          <p:cNvPr id="3" name="Slide Number Placeholder 2">
+            <a:extLst>
+              <a:ext uri="{FF2B5EF4-FFF2-40B4-BE49-F238E27FC236}">
+                <a16:creationId xmlns:a16="http://schemas.microsoft.com/office/drawing/2014/main" id="{0F7C1F40-1178-B04F-A7EB-333D071E7212}"/>
+              </a:ext>
+            </a:extLst>
+          </p:cNvPr>
+          <p:cNvSpPr>
+            <a:spLocks noGrp="1"/>
+          </p:cNvSpPr>
+          <p:nvPr>
+            <p:ph type="sldNum" sz="quarter" idx="12"/>
+          </p:nvPr>
+        </p:nvSpPr>
+        <p:spPr/>
+        <p:txBody>
+          <a:bodyPr/>
+          <a:lstStyle/>
+          <a:p>
+            <a:fld id="{79825567-3CEF-414F-9B7D-82942F152A58}" type="slidenum">
+              <a:rPr lang="en-US" smtClean="0"/>
+              <a:t>25</a:t>
+            </a:fld>
+            <a:endParaRPr lang="en-US" dirty="0"/>
+          </a:p>
+        </p:txBody>
+      </p:sp>
     </p:spTree>
     <p:extLst>
       <p:ext uri="{BB962C8B-B14F-4D97-AF65-F5344CB8AC3E}">
@@ -6633,6 +7126,35 @@
           </a:p>
         </p:txBody>
       </p:sp>
+      <p:sp>
+        <p:nvSpPr>
+          <p:cNvPr id="4" name="Slide Number Placeholder 3">
+            <a:extLst>
+              <a:ext uri="{FF2B5EF4-FFF2-40B4-BE49-F238E27FC236}">
+                <a16:creationId xmlns:a16="http://schemas.microsoft.com/office/drawing/2014/main" id="{7A1543CC-2769-8F41-BC44-E1AC62A02167}"/>
+              </a:ext>
+            </a:extLst>
+          </p:cNvPr>
+          <p:cNvSpPr>
+            <a:spLocks noGrp="1"/>
+          </p:cNvSpPr>
+          <p:nvPr>
+            <p:ph type="sldNum" sz="quarter" idx="12"/>
+          </p:nvPr>
+        </p:nvSpPr>
+        <p:spPr/>
+        <p:txBody>
+          <a:bodyPr/>
+          <a:lstStyle/>
+          <a:p>
+            <a:fld id="{79825567-3CEF-414F-9B7D-82942F152A58}" type="slidenum">
+              <a:rPr lang="en-US" smtClean="0"/>
+              <a:t>26</a:t>
+            </a:fld>
+            <a:endParaRPr lang="en-US" dirty="0"/>
+          </a:p>
+        </p:txBody>
+      </p:sp>
     </p:spTree>
     <p:extLst>
       <p:ext uri="{BB962C8B-B14F-4D97-AF65-F5344CB8AC3E}">
@@ -6895,6 +7417,35 @@
           </a:p>
         </p:txBody>
       </p:sp>
+      <p:sp>
+        <p:nvSpPr>
+          <p:cNvPr id="4" name="Slide Number Placeholder 3">
+            <a:extLst>
+              <a:ext uri="{FF2B5EF4-FFF2-40B4-BE49-F238E27FC236}">
+                <a16:creationId xmlns:a16="http://schemas.microsoft.com/office/drawing/2014/main" id="{F24B2C79-E508-2144-A2C1-CEDB08EFD18D}"/>
+              </a:ext>
+            </a:extLst>
+          </p:cNvPr>
+          <p:cNvSpPr>
+            <a:spLocks noGrp="1"/>
+          </p:cNvSpPr>
+          <p:nvPr>
+            <p:ph type="sldNum" sz="quarter" idx="12"/>
+          </p:nvPr>
+        </p:nvSpPr>
+        <p:spPr/>
+        <p:txBody>
+          <a:bodyPr/>
+          <a:lstStyle/>
+          <a:p>
+            <a:fld id="{79825567-3CEF-414F-9B7D-82942F152A58}" type="slidenum">
+              <a:rPr lang="en-US" smtClean="0"/>
+              <a:t>3</a:t>
+            </a:fld>
+            <a:endParaRPr lang="en-US" dirty="0"/>
+          </a:p>
+        </p:txBody>
+      </p:sp>
     </p:spTree>
     <p:extLst>
       <p:ext uri="{BB962C8B-B14F-4D97-AF65-F5344CB8AC3E}">
@@ -7080,7 +7631,15 @@
             </a:pPr>
             <a:r>
               <a:rPr lang="en-US" dirty="0"/>
-              <a:t>much higher size</a:t>
+              <a:t>much higher size (typically exponential </a:t>
+            </a:r>
+            <a:r>
+              <a:rPr lang="en-US" dirty="0" err="1"/>
+              <a:t>wrt</a:t>
+            </a:r>
+            <a:r>
+              <a:rPr lang="en-US" dirty="0"/>
+              <a:t> the input formula size)</a:t>
             </a:r>
           </a:p>
           <a:p>
@@ -7136,6 +7695,35 @@
               <a:rPr lang="en-US" dirty="0"/>
               <a:t>Select answers for Q1(a)  [1 or 2]    and Q1(b)  [1 or 2]</a:t>
             </a:r>
+          </a:p>
+        </p:txBody>
+      </p:sp>
+      <p:sp>
+        <p:nvSpPr>
+          <p:cNvPr id="4" name="Slide Number Placeholder 3">
+            <a:extLst>
+              <a:ext uri="{FF2B5EF4-FFF2-40B4-BE49-F238E27FC236}">
+                <a16:creationId xmlns:a16="http://schemas.microsoft.com/office/drawing/2014/main" id="{A56DA042-01DF-8D4A-B790-851CDB34A3C8}"/>
+              </a:ext>
+            </a:extLst>
+          </p:cNvPr>
+          <p:cNvSpPr>
+            <a:spLocks noGrp="1"/>
+          </p:cNvSpPr>
+          <p:nvPr>
+            <p:ph type="sldNum" sz="quarter" idx="12"/>
+          </p:nvPr>
+        </p:nvSpPr>
+        <p:spPr/>
+        <p:txBody>
+          <a:bodyPr/>
+          <a:lstStyle/>
+          <a:p>
+            <a:fld id="{79825567-3CEF-414F-9B7D-82942F152A58}" type="slidenum">
+              <a:rPr lang="en-US" smtClean="0"/>
+              <a:t>4</a:t>
+            </a:fld>
+            <a:endParaRPr lang="en-US" dirty="0"/>
           </a:p>
         </p:txBody>
       </p:sp>
@@ -7287,6 +7875,35 @@
           </a:p>
         </p:txBody>
       </p:sp>
+      <p:sp>
+        <p:nvSpPr>
+          <p:cNvPr id="4" name="Slide Number Placeholder 3">
+            <a:extLst>
+              <a:ext uri="{FF2B5EF4-FFF2-40B4-BE49-F238E27FC236}">
+                <a16:creationId xmlns:a16="http://schemas.microsoft.com/office/drawing/2014/main" id="{B9599E3F-DA0F-0A45-9382-E4A8ADAA692B}"/>
+              </a:ext>
+            </a:extLst>
+          </p:cNvPr>
+          <p:cNvSpPr>
+            <a:spLocks noGrp="1"/>
+          </p:cNvSpPr>
+          <p:nvPr>
+            <p:ph type="sldNum" sz="quarter" idx="12"/>
+          </p:nvPr>
+        </p:nvSpPr>
+        <p:spPr/>
+        <p:txBody>
+          <a:bodyPr/>
+          <a:lstStyle/>
+          <a:p>
+            <a:fld id="{79825567-3CEF-414F-9B7D-82942F152A58}" type="slidenum">
+              <a:rPr lang="en-US" smtClean="0"/>
+              <a:t>5</a:t>
+            </a:fld>
+            <a:endParaRPr lang="en-US" dirty="0"/>
+          </a:p>
+        </p:txBody>
+      </p:sp>
     </p:spTree>
     <p:extLst>
       <p:ext uri="{BB962C8B-B14F-4D97-AF65-F5344CB8AC3E}">
@@ -7380,7 +7997,7 @@
             </a:pPr>
             <a:r>
               <a:rPr lang="en-US" dirty="0"/>
-              <a:t>Q3: The size of a BDD depends on</a:t>
+              <a:t>Q3: The size of a BDD depends on these; also this could be true</a:t>
             </a:r>
           </a:p>
           <a:p>
@@ -7410,11 +8027,46 @@
             </a:pPr>
             <a:r>
               <a:rPr lang="en-US" dirty="0"/>
-              <a:t>Both</a:t>
-            </a:r>
-          </a:p>
-          <a:p>
-            <a:pPr lvl="1"/>
+              <a:t>Often we can improve the initial order obtain through an algorithm called sifting that locally rearranges variables to shrink the BDD</a:t>
+            </a:r>
+          </a:p>
+          <a:p>
+            <a:pPr marL="914400" lvl="1" indent="-457200">
+              <a:buFont typeface="+mj-lt"/>
+              <a:buAutoNum type="arabicPeriod"/>
+            </a:pPr>
+            <a:r>
+              <a:rPr lang="en-US" dirty="0"/>
+              <a:t>If the problem of determining the optimal variable for a BDD is solved in P-time, then we would have shown P=NP. (And if I don’t know what NP-completeness means, I promise I will make it a point to have a discussion about it on Piazza!)</a:t>
+            </a:r>
+          </a:p>
+        </p:txBody>
+      </p:sp>
+      <p:sp>
+        <p:nvSpPr>
+          <p:cNvPr id="4" name="Slide Number Placeholder 3">
+            <a:extLst>
+              <a:ext uri="{FF2B5EF4-FFF2-40B4-BE49-F238E27FC236}">
+                <a16:creationId xmlns:a16="http://schemas.microsoft.com/office/drawing/2014/main" id="{BFFB31EC-9973-524A-971D-517381314BA6}"/>
+              </a:ext>
+            </a:extLst>
+          </p:cNvPr>
+          <p:cNvSpPr>
+            <a:spLocks noGrp="1"/>
+          </p:cNvSpPr>
+          <p:nvPr>
+            <p:ph type="sldNum" sz="quarter" idx="12"/>
+          </p:nvPr>
+        </p:nvSpPr>
+        <p:spPr/>
+        <p:txBody>
+          <a:bodyPr/>
+          <a:lstStyle/>
+          <a:p>
+            <a:fld id="{79825567-3CEF-414F-9B7D-82942F152A58}" type="slidenum">
+              <a:rPr lang="en-US" smtClean="0"/>
+              <a:t>6</a:t>
+            </a:fld>
             <a:endParaRPr lang="en-US" dirty="0"/>
           </a:p>
         </p:txBody>
@@ -7512,7 +8164,7 @@
             </a:pPr>
             <a:r>
               <a:rPr lang="en-US" dirty="0"/>
-              <a:t>Q4: Discovering the optimal order for the variables of a BDD</a:t>
+              <a:t>Q4: These are true facts about BDDs and DFA</a:t>
             </a:r>
           </a:p>
           <a:p>
@@ -7522,7 +8174,7 @@
             </a:pPr>
             <a:r>
               <a:rPr lang="en-US" dirty="0"/>
-              <a:t>Is an easy problem</a:t>
+              <a:t>BDDs are minimal DFA in disguise. (And if I don’t understand DFA minimization, I’ll make it a point to ask on Piazza.)</a:t>
             </a:r>
           </a:p>
           <a:p>
@@ -7532,11 +8184,56 @@
             </a:pPr>
             <a:r>
               <a:rPr lang="en-US" dirty="0"/>
-              <a:t>Is an NP-complete problem</a:t>
-            </a:r>
-          </a:p>
-          <a:p>
-            <a:pPr lvl="1"/>
+              <a:t>While BDDs tend to resemble decision trees, there is one crucial difference: the order of variables going from root to leaf could be different for different paths in a decision tree. (There are also other differences.)</a:t>
+            </a:r>
+          </a:p>
+          <a:p>
+            <a:pPr marL="914400" lvl="1" indent="-457200">
+              <a:buFont typeface="+mj-lt"/>
+              <a:buAutoNum type="arabicPeriod"/>
+            </a:pPr>
+            <a:r>
+              <a:rPr lang="en-US" dirty="0"/>
+              <a:t>For some functions such as addition, BDDs tend to be always compact if one chooses the right var order</a:t>
+            </a:r>
+          </a:p>
+          <a:p>
+            <a:pPr marL="914400" lvl="1" indent="-457200">
+              <a:buFont typeface="+mj-lt"/>
+              <a:buAutoNum type="arabicPeriod"/>
+            </a:pPr>
+            <a:r>
+              <a:rPr lang="en-US" dirty="0"/>
+              <a:t>For some functions such as multiplication, BDDs are guaranteed exp (think of the Boolean function for the middle-answer-bit of the product of two numbers)</a:t>
+            </a:r>
+          </a:p>
+        </p:txBody>
+      </p:sp>
+      <p:sp>
+        <p:nvSpPr>
+          <p:cNvPr id="4" name="Slide Number Placeholder 3">
+            <a:extLst>
+              <a:ext uri="{FF2B5EF4-FFF2-40B4-BE49-F238E27FC236}">
+                <a16:creationId xmlns:a16="http://schemas.microsoft.com/office/drawing/2014/main" id="{06D23942-78D8-0542-986E-A3FBBB994FF0}"/>
+              </a:ext>
+            </a:extLst>
+          </p:cNvPr>
+          <p:cNvSpPr>
+            <a:spLocks noGrp="1"/>
+          </p:cNvSpPr>
+          <p:nvPr>
+            <p:ph type="sldNum" sz="quarter" idx="12"/>
+          </p:nvPr>
+        </p:nvSpPr>
+        <p:spPr/>
+        <p:txBody>
+          <a:bodyPr/>
+          <a:lstStyle/>
+          <a:p>
+            <a:fld id="{79825567-3CEF-414F-9B7D-82942F152A58}" type="slidenum">
+              <a:rPr lang="en-US" smtClean="0"/>
+              <a:t>7</a:t>
+            </a:fld>
             <a:endParaRPr lang="en-US" dirty="0"/>
           </a:p>
         </p:txBody>
@@ -7658,7 +8355,56 @@
             </a:r>
           </a:p>
           <a:p>
+            <a:pPr marL="914400" lvl="1" indent="-457200">
+              <a:buFont typeface="+mj-lt"/>
+              <a:buAutoNum type="arabicPeriod"/>
+            </a:pPr>
+            <a:r>
+              <a:rPr lang="en-US" dirty="0"/>
+              <a:t>BDDs tend to saturate at 1000 variables (depending on the problem)</a:t>
+            </a:r>
+          </a:p>
+          <a:p>
+            <a:pPr marL="914400" lvl="1" indent="-457200">
+              <a:buFont typeface="+mj-lt"/>
+              <a:buAutoNum type="arabicPeriod"/>
+            </a:pPr>
+            <a:r>
+              <a:rPr lang="en-US" dirty="0"/>
+              <a:t>Boolean SAT can handle millions of variables, although there are cases where SAT can become expensive at lower number of variables. Formal verification has largely become a success story thanks to advances in SAT (SAT-solvers have become four orders of magnitude faster in the last two decades.)</a:t>
+            </a:r>
+          </a:p>
+          <a:p>
             <a:pPr lvl="1"/>
+            <a:endParaRPr lang="en-US" dirty="0"/>
+          </a:p>
+        </p:txBody>
+      </p:sp>
+      <p:sp>
+        <p:nvSpPr>
+          <p:cNvPr id="4" name="Slide Number Placeholder 3">
+            <a:extLst>
+              <a:ext uri="{FF2B5EF4-FFF2-40B4-BE49-F238E27FC236}">
+                <a16:creationId xmlns:a16="http://schemas.microsoft.com/office/drawing/2014/main" id="{8C3B427C-440C-4748-BF05-39E7900FA76D}"/>
+              </a:ext>
+            </a:extLst>
+          </p:cNvPr>
+          <p:cNvSpPr>
+            <a:spLocks noGrp="1"/>
+          </p:cNvSpPr>
+          <p:nvPr>
+            <p:ph type="sldNum" sz="quarter" idx="12"/>
+          </p:nvPr>
+        </p:nvSpPr>
+        <p:spPr/>
+        <p:txBody>
+          <a:bodyPr/>
+          <a:lstStyle/>
+          <a:p>
+            <a:fld id="{79825567-3CEF-414F-9B7D-82942F152A58}" type="slidenum">
+              <a:rPr lang="en-US" smtClean="0"/>
+              <a:t>8</a:t>
+            </a:fld>
             <a:endParaRPr lang="en-US" dirty="0"/>
           </a:p>
         </p:txBody>
@@ -7776,7 +8522,24 @@
             </a:pPr>
             <a:r>
               <a:rPr lang="en-US" dirty="0"/>
-              <a:t>f2 -&gt; f1</a:t>
+              <a:t>f2 XOR f1  is false</a:t>
+            </a:r>
+          </a:p>
+          <a:p>
+            <a:pPr marL="0" indent="0">
+              <a:buNone/>
+            </a:pPr>
+            <a:r>
+              <a:rPr lang="en-US" dirty="0"/>
+              <a:t>Q7: Two formulae f1 and f2 are </a:t>
+            </a:r>
+            <a:r>
+              <a:rPr lang="en-US" dirty="0" err="1"/>
+              <a:t>equisat</a:t>
+            </a:r>
+            <a:r>
+              <a:rPr lang="en-US" dirty="0"/>
+              <a:t> if</a:t>
             </a:r>
           </a:p>
           <a:p>
@@ -7786,28 +8549,7 @@
             </a:pPr>
             <a:r>
               <a:rPr lang="en-US" dirty="0"/>
-              <a:t>Both the above</a:t>
-            </a:r>
-          </a:p>
-          <a:p>
-            <a:pPr lvl="1"/>
-            <a:endParaRPr lang="en-US" dirty="0"/>
-          </a:p>
-          <a:p>
-            <a:pPr marL="0" indent="0">
-              <a:buNone/>
-            </a:pPr>
-            <a:r>
-              <a:rPr lang="en-US" dirty="0"/>
-              <a:t>Q7: Two formulae f1 and f2 are </a:t>
-            </a:r>
-            <a:r>
-              <a:rPr lang="en-US" dirty="0" err="1"/>
-              <a:t>equisat</a:t>
-            </a:r>
-            <a:r>
-              <a:rPr lang="en-US" dirty="0"/>
-              <a:t> if</a:t>
+              <a:t>For all assignments sigma :  sigma |= f1 if-and-only-if  sigma |= f2</a:t>
             </a:r>
           </a:p>
           <a:p>
@@ -7817,16 +8559,6 @@
             </a:pPr>
             <a:r>
               <a:rPr lang="en-US" dirty="0"/>
-              <a:t>For all assignments sigma :  sigma |= f1 if-and-only-if  sigma |= f2</a:t>
-            </a:r>
-          </a:p>
-          <a:p>
-            <a:pPr marL="914400" lvl="1" indent="-457200">
-              <a:buFont typeface="+mj-lt"/>
-              <a:buAutoNum type="arabicPeriod"/>
-            </a:pPr>
-            <a:r>
-              <a:rPr lang="en-US" dirty="0"/>
               <a:t> f1 is satisfiable IF-AND-ONLY-IF f2 is satisfiable</a:t>
             </a:r>
           </a:p>
@@ -7851,6 +8583,27 @@
             </a:r>
           </a:p>
           <a:p>
+            <a:pPr lvl="2"/>
+            <a:r>
+              <a:rPr lang="en-US" dirty="0">
+                <a:sym typeface="Wingdings" pitchFamily="2" charset="2"/>
+              </a:rPr>
+              <a:t>Remember that in </a:t>
+            </a:r>
+            <a:r>
+              <a:rPr lang="en-US" dirty="0" err="1">
+                <a:sym typeface="Wingdings" pitchFamily="2" charset="2"/>
+              </a:rPr>
+              <a:t>Equisat</a:t>
+            </a:r>
+            <a:r>
+              <a:rPr lang="en-US" dirty="0">
+                <a:sym typeface="Wingdings" pitchFamily="2" charset="2"/>
+              </a:rPr>
+              <a:t>, f1 and f2 need not have the same set of variables</a:t>
+            </a:r>
+          </a:p>
+          <a:p>
             <a:pPr lvl="3"/>
             <a:endParaRPr lang="en-US" dirty="0">
               <a:sym typeface="Wingdings" pitchFamily="2" charset="2"/>
@@ -7864,6 +8617,35 @@
           </a:p>
           <a:p>
             <a:pPr lvl="1"/>
+            <a:endParaRPr lang="en-US" dirty="0"/>
+          </a:p>
+        </p:txBody>
+      </p:sp>
+      <p:sp>
+        <p:nvSpPr>
+          <p:cNvPr id="4" name="Slide Number Placeholder 3">
+            <a:extLst>
+              <a:ext uri="{FF2B5EF4-FFF2-40B4-BE49-F238E27FC236}">
+                <a16:creationId xmlns:a16="http://schemas.microsoft.com/office/drawing/2014/main" id="{08143F51-4F67-6B46-A690-C6DCFA1E9381}"/>
+              </a:ext>
+            </a:extLst>
+          </p:cNvPr>
+          <p:cNvSpPr>
+            <a:spLocks noGrp="1"/>
+          </p:cNvSpPr>
+          <p:nvPr>
+            <p:ph type="sldNum" sz="quarter" idx="12"/>
+          </p:nvPr>
+        </p:nvSpPr>
+        <p:spPr/>
+        <p:txBody>
+          <a:bodyPr/>
+          <a:lstStyle/>
+          <a:p>
+            <a:fld id="{79825567-3CEF-414F-9B7D-82942F152A58}" type="slidenum">
+              <a:rPr lang="en-US" smtClean="0"/>
+              <a:t>9</a:t>
+            </a:fld>
             <a:endParaRPr lang="en-US" dirty="0"/>
           </a:p>
         </p:txBody>
